--- a/Docs/A4_University.pptx
+++ b/Docs/A4_University.pptx
@@ -1203,8 +1203,8 @@
         </p:nvSpPr>
         <p:spPr>
           <a:xfrm>
-            <a:off x="4221478" y="6797265"/>
-            <a:ext cx="3195611" cy="1241839"/>
+            <a:off x="4221478" y="6837680"/>
+            <a:ext cx="3195611" cy="1172447"/>
           </a:xfrm>
         </p:spPr>
         <p:txBody>
@@ -1213,265 +1213,283 @@
           </a:bodyPr>
           <a:lstStyle/>
           <a:p>
-            <a:pPr marL="0" indent="0" algn="just">
+            <a:pPr marL="0" indent="0" algn="ctr">
+              <a:lnSpc>
+                <a:spcPct val="120000"/>
+              </a:lnSpc>
+              <a:spcBef>
+                <a:spcPts val="0"/>
+              </a:spcBef>
+              <a:buNone/>
+            </a:pPr>
+            <a:r>
+              <a:rPr lang="ar-EG" sz="3200" b="1" dirty="0"/>
+              <a:t>الهيكلية العامة للنظام</a:t>
+            </a:r>
+          </a:p>
+          <a:p>
+            <a:pPr marL="0" lvl="1" indent="0" algn="just" rtl="1">
+              <a:lnSpc>
+                <a:spcPct val="120000"/>
+              </a:lnSpc>
+              <a:spcBef>
+                <a:spcPts val="50"/>
+              </a:spcBef>
+              <a:buNone/>
+            </a:pPr>
+            <a:r>
+              <a:rPr lang="ar-EG" sz="3200" dirty="0">
+                <a:solidFill>
+                  <a:srgbClr val="7030A0"/>
+                </a:solidFill>
+              </a:rPr>
+              <a:t>واجهة أمامية تفاعلية مبنية على </a:t>
+            </a:r>
+            <a:r>
+              <a:rPr lang="en-US" sz="3200" dirty="0">
+                <a:solidFill>
+                  <a:srgbClr val="7030A0"/>
+                </a:solidFill>
+              </a:rPr>
+              <a:t>React </a:t>
+            </a:r>
+            <a:r>
+              <a:rPr lang="ar-EG" sz="3200" dirty="0">
+                <a:solidFill>
+                  <a:srgbClr val="7030A0"/>
+                </a:solidFill>
+              </a:rPr>
+              <a:t> /</a:t>
+            </a:r>
+            <a:r>
+              <a:rPr lang="en-US" sz="3200" dirty="0">
+                <a:solidFill>
+                  <a:srgbClr val="7030A0"/>
+                </a:solidFill>
+              </a:rPr>
+              <a:t> </a:t>
+            </a:r>
+            <a:r>
+              <a:rPr lang="en-US" sz="3200" dirty="0" err="1">
+                <a:solidFill>
+                  <a:srgbClr val="7030A0"/>
+                </a:solidFill>
+              </a:rPr>
+              <a:t>ReactFlow</a:t>
+            </a:r>
+            <a:r>
+              <a:rPr lang="en-US" sz="3200" dirty="0">
+                <a:solidFill>
+                  <a:srgbClr val="7030A0"/>
+                </a:solidFill>
+              </a:rPr>
+              <a:t> </a:t>
+            </a:r>
+            <a:r>
+              <a:rPr lang="ar-EG" sz="3200" dirty="0">
+                <a:solidFill>
+                  <a:srgbClr val="7030A0"/>
+                </a:solidFill>
+              </a:rPr>
+              <a:t>لعرض المخططات وتحريرها.</a:t>
+            </a:r>
+          </a:p>
+          <a:p>
+            <a:pPr marL="0" lvl="1" indent="0" algn="just" rtl="1">
+              <a:lnSpc>
+                <a:spcPct val="120000"/>
+              </a:lnSpc>
+              <a:spcBef>
+                <a:spcPts val="0"/>
+              </a:spcBef>
+              <a:buNone/>
+            </a:pPr>
+            <a:r>
+              <a:rPr lang="ar-EG" sz="3200" dirty="0">
+                <a:solidFill>
+                  <a:srgbClr val="7030A0"/>
+                </a:solidFill>
+              </a:rPr>
+              <a:t>خادم تطبيقات</a:t>
+            </a:r>
+            <a:r>
+              <a:rPr lang="en-US" sz="3200" dirty="0">
+                <a:solidFill>
+                  <a:srgbClr val="7030A0"/>
+                </a:solidFill>
+              </a:rPr>
+              <a:t>Django) </a:t>
+            </a:r>
+            <a:r>
+              <a:rPr lang="ar-EG" sz="3200" dirty="0">
+                <a:solidFill>
+                  <a:srgbClr val="7030A0"/>
+                </a:solidFill>
+              </a:rPr>
+              <a:t>): يستقبل</a:t>
+            </a:r>
+            <a:r>
+              <a:rPr lang="en-US" sz="3200" dirty="0">
+                <a:solidFill>
+                  <a:srgbClr val="7030A0"/>
+                </a:solidFill>
+              </a:rPr>
+              <a:t> </a:t>
+            </a:r>
+            <a:r>
+              <a:rPr lang="ar-EG" sz="3200" dirty="0">
+                <a:solidFill>
+                  <a:srgbClr val="7030A0"/>
+                </a:solidFill>
+              </a:rPr>
+              <a:t> </a:t>
+            </a:r>
+            <a:r>
+              <a:rPr lang="en-US" sz="3200" dirty="0">
+                <a:solidFill>
+                  <a:srgbClr val="7030A0"/>
+                </a:solidFill>
+              </a:rPr>
+              <a:t>SQL</a:t>
+            </a:r>
+            <a:r>
+              <a:rPr lang="ar-EG" sz="3200" dirty="0">
+                <a:solidFill>
+                  <a:srgbClr val="7030A0"/>
+                </a:solidFill>
+              </a:rPr>
+              <a:t> ويحوّلها إلى </a:t>
+            </a:r>
+            <a:r>
+              <a:rPr lang="en-US" sz="3200" dirty="0">
+                <a:solidFill>
+                  <a:srgbClr val="7030A0"/>
+                </a:solidFill>
+              </a:rPr>
+              <a:t>JSON</a:t>
+            </a:r>
+            <a:r>
+              <a:rPr lang="ar-EG" sz="3200" dirty="0">
+                <a:solidFill>
+                  <a:srgbClr val="7030A0"/>
+                </a:solidFill>
+              </a:rPr>
+              <a:t> .</a:t>
+            </a:r>
+          </a:p>
+          <a:p>
+            <a:pPr marL="0" lvl="1" indent="0" algn="just" rtl="1">
+              <a:lnSpc>
+                <a:spcPct val="120000"/>
+              </a:lnSpc>
+              <a:spcBef>
+                <a:spcPts val="50"/>
+              </a:spcBef>
+              <a:buNone/>
+            </a:pPr>
+            <a:r>
+              <a:rPr lang="ar-EG" sz="3200" dirty="0">
+                <a:solidFill>
+                  <a:srgbClr val="7030A0"/>
+                </a:solidFill>
+              </a:rPr>
+              <a:t>خدمات (</a:t>
+            </a:r>
+            <a:r>
+              <a:rPr lang="en-US" sz="3200" dirty="0">
+                <a:solidFill>
+                  <a:srgbClr val="7030A0"/>
+                </a:solidFill>
+              </a:rPr>
+              <a:t>AWS ECS </a:t>
+            </a:r>
+            <a:r>
+              <a:rPr lang="ar-EG" sz="3200" dirty="0">
+                <a:solidFill>
+                  <a:srgbClr val="7030A0"/>
+                </a:solidFill>
+              </a:rPr>
+              <a:t>): لتشغيل مهام التحليل والتصنيف والتحسين.</a:t>
+            </a:r>
+          </a:p>
+          <a:p>
+            <a:pPr marL="0" lvl="1" indent="0" algn="just" rtl="1">
+              <a:lnSpc>
+                <a:spcPct val="120000"/>
+              </a:lnSpc>
+              <a:spcBef>
+                <a:spcPts val="50"/>
+              </a:spcBef>
+              <a:buNone/>
+            </a:pPr>
+            <a:r>
+              <a:rPr lang="ar-EG" sz="3200" dirty="0">
+                <a:solidFill>
+                  <a:srgbClr val="7030A0"/>
+                </a:solidFill>
+              </a:rPr>
+              <a:t>تخزين المخرجات في خدمة تخزين الكائنات (</a:t>
+            </a:r>
+            <a:r>
+              <a:rPr lang="en-US" sz="3200" dirty="0">
+                <a:solidFill>
+                  <a:srgbClr val="7030A0"/>
+                </a:solidFill>
+              </a:rPr>
+              <a:t>Object Storage</a:t>
+            </a:r>
+            <a:r>
+              <a:rPr lang="ar-EG" sz="3200" dirty="0">
+                <a:solidFill>
+                  <a:srgbClr val="7030A0"/>
+                </a:solidFill>
+              </a:rPr>
+              <a:t>)</a:t>
+            </a:r>
+            <a:r>
+              <a:rPr lang="en-US" sz="3200" dirty="0">
+                <a:solidFill>
+                  <a:srgbClr val="7030A0"/>
+                </a:solidFill>
+              </a:rPr>
+              <a:t>.</a:t>
+            </a:r>
+          </a:p>
+          <a:p>
+            <a:pPr marL="0" indent="0" algn="ctr">
               <a:lnSpc>
                 <a:spcPct val="120000"/>
               </a:lnSpc>
               <a:buNone/>
             </a:pPr>
             <a:r>
-              <a:rPr lang="ar-EG" sz="3200" b="1" dirty="0">
-                <a:cs typeface="Almarai"/>
-              </a:rPr>
-              <a:t>الهيكلية العامة للنظام:</a:t>
-            </a:r>
-          </a:p>
-          <a:p>
-            <a:pPr marL="0" lvl="1" indent="0" algn="just" rtl="1">
-              <a:lnSpc>
-                <a:spcPct val="120000"/>
-              </a:lnSpc>
-              <a:spcBef>
-                <a:spcPts val="250"/>
-              </a:spcBef>
-              <a:buNone/>
-            </a:pPr>
-            <a:r>
-              <a:rPr lang="ar-EG" sz="3200" b="1" dirty="0">
-                <a:solidFill>
-                  <a:srgbClr val="7030A0"/>
-                </a:solidFill>
-                <a:cs typeface="Almarai"/>
-              </a:rPr>
-              <a:t>واجهة أمامية تفاعلية مبنية على </a:t>
-            </a:r>
-            <a:r>
-              <a:rPr lang="en-US" sz="3200" b="1" dirty="0">
-                <a:solidFill>
-                  <a:srgbClr val="7030A0"/>
-                </a:solidFill>
-                <a:cs typeface="Almarai"/>
-              </a:rPr>
-              <a:t>React </a:t>
-            </a:r>
-            <a:r>
-              <a:rPr lang="ar-EG" sz="3200" b="1" dirty="0">
-                <a:solidFill>
-                  <a:srgbClr val="7030A0"/>
-                </a:solidFill>
-                <a:cs typeface="Almarai"/>
-              </a:rPr>
-              <a:t>و</a:t>
-            </a:r>
-            <a:r>
-              <a:rPr lang="en-US" sz="3200" b="1" dirty="0">
-                <a:solidFill>
-                  <a:srgbClr val="7030A0"/>
-                </a:solidFill>
-                <a:cs typeface="Almarai"/>
-              </a:rPr>
+              <a:rPr lang="ar-EG" sz="3200" b="1" dirty="0"/>
+              <a:t>سير عمل</a:t>
+            </a:r>
+            <a:r>
+              <a:rPr lang="en-US" sz="3200" b="1" dirty="0"/>
               <a:t> </a:t>
             </a:r>
             <a:r>
-              <a:rPr lang="en-US" sz="3200" b="1" dirty="0" err="1">
-                <a:solidFill>
-                  <a:srgbClr val="7030A0"/>
-                </a:solidFill>
-                <a:cs typeface="Almarai"/>
-              </a:rPr>
-              <a:t>ReactFlow</a:t>
-            </a:r>
-            <a:r>
-              <a:rPr lang="en-US" sz="3200" b="1" dirty="0">
-                <a:solidFill>
-                  <a:srgbClr val="7030A0"/>
-                </a:solidFill>
-                <a:cs typeface="Almarai"/>
-              </a:rPr>
+              <a:rPr lang="en-US" sz="3200" b="1" dirty="0" err="1"/>
+              <a:t>DataForge</a:t>
+            </a:r>
+            <a:r>
+              <a:rPr lang="en-US" sz="3200" b="1" dirty="0"/>
               <a:t> </a:t>
             </a:r>
-            <a:r>
-              <a:rPr lang="ar-EG" sz="3200" b="1" dirty="0">
-                <a:solidFill>
-                  <a:srgbClr val="7030A0"/>
-                </a:solidFill>
-                <a:cs typeface="Almarai"/>
-              </a:rPr>
-              <a:t>لعرض المخططات وتحريرها.</a:t>
-            </a:r>
-          </a:p>
-          <a:p>
-            <a:pPr marL="0" lvl="1" indent="0" algn="just" rtl="1">
-              <a:lnSpc>
-                <a:spcPct val="120000"/>
-              </a:lnSpc>
-              <a:spcBef>
-                <a:spcPts val="250"/>
-              </a:spcBef>
-              <a:buNone/>
-            </a:pPr>
-            <a:r>
-              <a:rPr lang="ar-EG" sz="3200" b="1" dirty="0">
-                <a:solidFill>
-                  <a:srgbClr val="7030A0"/>
-                </a:solidFill>
-                <a:cs typeface="Almarai"/>
-              </a:rPr>
-              <a:t>خادم تطبيقات (</a:t>
-            </a:r>
-            <a:r>
-              <a:rPr lang="en-US" sz="3200" b="1" dirty="0">
-                <a:solidFill>
-                  <a:srgbClr val="7030A0"/>
-                </a:solidFill>
-                <a:cs typeface="Almarai"/>
-              </a:rPr>
-              <a:t>Django) </a:t>
-            </a:r>
-            <a:r>
-              <a:rPr lang="ar-EG" sz="3200" b="1" dirty="0">
-                <a:solidFill>
-                  <a:srgbClr val="7030A0"/>
-                </a:solidFill>
-                <a:cs typeface="Almarai"/>
-              </a:rPr>
-              <a:t>يستقبل </a:t>
-            </a:r>
-            <a:r>
-              <a:rPr lang="en-US" sz="3200" b="1" dirty="0">
-                <a:solidFill>
-                  <a:srgbClr val="7030A0"/>
-                </a:solidFill>
-                <a:cs typeface="Almarai"/>
-              </a:rPr>
-              <a:t>SQL </a:t>
-            </a:r>
-            <a:r>
-              <a:rPr lang="ar-EG" sz="3200" b="1" dirty="0">
-                <a:solidFill>
-                  <a:srgbClr val="7030A0"/>
-                </a:solidFill>
-                <a:cs typeface="Almarai"/>
-              </a:rPr>
-              <a:t>ويحوّله إلى </a:t>
-            </a:r>
-            <a:r>
-              <a:rPr lang="en-US" sz="3200" b="1" dirty="0">
-                <a:solidFill>
-                  <a:srgbClr val="7030A0"/>
-                </a:solidFill>
-                <a:cs typeface="Almarai"/>
-              </a:rPr>
-              <a:t>JSON </a:t>
-            </a:r>
-            <a:r>
-              <a:rPr lang="ar-EG" sz="3200" b="1" dirty="0">
-                <a:solidFill>
-                  <a:srgbClr val="7030A0"/>
-                </a:solidFill>
-                <a:cs typeface="Almarai"/>
-              </a:rPr>
-              <a:t>حدائقياً.</a:t>
-            </a:r>
-          </a:p>
-          <a:p>
-            <a:pPr marL="0" lvl="1" indent="0" algn="just" rtl="1">
-              <a:lnSpc>
-                <a:spcPct val="120000"/>
-              </a:lnSpc>
-              <a:spcBef>
-                <a:spcPts val="250"/>
-              </a:spcBef>
-              <a:buNone/>
-            </a:pPr>
-            <a:r>
-              <a:rPr lang="ar-EG" sz="3200" b="1" dirty="0">
-                <a:solidFill>
-                  <a:srgbClr val="7030A0"/>
-                </a:solidFill>
-                <a:cs typeface="Almarai"/>
-              </a:rPr>
-              <a:t>خدمات </a:t>
-            </a:r>
-            <a:r>
-              <a:rPr lang="en-US" sz="3200" b="1" dirty="0">
-                <a:solidFill>
-                  <a:srgbClr val="7030A0"/>
-                </a:solidFill>
-                <a:cs typeface="Almarai"/>
-              </a:rPr>
-              <a:t>AWS ECS </a:t>
-            </a:r>
-            <a:r>
-              <a:rPr lang="ar-EG" sz="3200" b="1" dirty="0">
-                <a:solidFill>
-                  <a:srgbClr val="7030A0"/>
-                </a:solidFill>
-                <a:cs typeface="Almarai"/>
-              </a:rPr>
-              <a:t>لتشغيل التحليل والتصنيف والتحسين.</a:t>
-            </a:r>
-          </a:p>
-          <a:p>
-            <a:pPr marL="0" lvl="1" indent="0" algn="just" rtl="1">
-              <a:lnSpc>
-                <a:spcPct val="120000"/>
-              </a:lnSpc>
-              <a:spcBef>
-                <a:spcPts val="250"/>
-              </a:spcBef>
-              <a:buNone/>
-            </a:pPr>
-            <a:r>
-              <a:rPr lang="ar-EG" sz="3200" b="1" dirty="0">
-                <a:solidFill>
-                  <a:srgbClr val="7030A0"/>
-                </a:solidFill>
-                <a:cs typeface="Almarai"/>
-              </a:rPr>
-              <a:t>تخزين المخرجات في خدمة تخزين الكائنات (</a:t>
-            </a:r>
-            <a:r>
-              <a:rPr lang="en-US" sz="3200" b="1" dirty="0">
-                <a:solidFill>
-                  <a:srgbClr val="7030A0"/>
-                </a:solidFill>
-                <a:cs typeface="Almarai"/>
-              </a:rPr>
-              <a:t>Object Storage).</a:t>
-            </a:r>
-          </a:p>
-          <a:p>
-            <a:pPr marL="0" indent="0" algn="just">
+          </a:p>
+          <a:p>
+            <a:pPr marL="0" indent="0" algn="just" rtl="0">
               <a:lnSpc>
                 <a:spcPct val="120000"/>
               </a:lnSpc>
               <a:buNone/>
             </a:pPr>
             <a:r>
-              <a:rPr lang="ar-EG" sz="3200" b="1" dirty="0">
-                <a:cs typeface="Almarai"/>
-              </a:rPr>
-              <a:t>سير عمل </a:t>
-            </a:r>
-            <a:r>
-              <a:rPr lang="en-US" sz="3200" b="1" dirty="0">
-                <a:cs typeface="Almarai"/>
-              </a:rPr>
-              <a:t>DataForge:</a:t>
-            </a:r>
-          </a:p>
-          <a:p>
-            <a:pPr marL="0" indent="0" algn="just" rtl="0">
-              <a:buNone/>
-            </a:pPr>
-            <a:r>
-              <a:rPr lang="en-US" sz="2400" b="1" dirty="0"/>
-              <a:t>SQL Input → 2. Hybrid Parsing (Parsed Output) → 3. Heuristic Classification (Classified Output) → 4. AI Optimization (Optimized Output) → 5. Interactive Visualization</a:t>
-            </a:r>
-            <a:endParaRPr lang="en-US" sz="2400" b="1" dirty="0">
-              <a:cs typeface="Almarai"/>
-            </a:endParaRPr>
+              <a:rPr lang="en-US" sz="2400" dirty="0"/>
+              <a:t>1. SQL Input → 2. Hybrid Parsing (Parsed Output) → 3. Heuristic Classification (Classified Output) → 4. AI Optimization (Optimized Output) → 5. Interactive Visualization</a:t>
+            </a:r>
           </a:p>
         </p:txBody>
       </p:sp>
@@ -1535,109 +1553,6 @@
         </p:blipFill>
         <p:spPr/>
       </p:pic>
-      <p:pic>
-        <p:nvPicPr>
-          <p:cNvPr id="50" name="Picture Placeholder 49" descr="A screenshot of a warehouse&#10;&#10;AI-generated content may be incorrect.">
-            <a:extLst>
-              <a:ext uri="{FF2B5EF4-FFF2-40B4-BE49-F238E27FC236}">
-                <a16:creationId xmlns:a16="http://schemas.microsoft.com/office/drawing/2014/main" id="{AEE7E19B-B928-3A96-2770-91ED20BF011B}"/>
-              </a:ext>
-            </a:extLst>
-          </p:cNvPr>
-          <p:cNvPicPr>
-            <a:picLocks noGrp="1" noChangeAspect="1"/>
-          </p:cNvPicPr>
-          <p:nvPr>
-            <p:ph type="pic" sz="quarter" idx="24"/>
-          </p:nvPr>
-        </p:nvPicPr>
-        <p:blipFill>
-          <a:blip r:embed="rId3">
-            <a:extLst>
-              <a:ext uri="{28A0092B-C50C-407E-A947-70E740481C1C}">
-                <a14:useLocalDpi xmlns:a14="http://schemas.microsoft.com/office/drawing/2010/main" val="0"/>
-              </a:ext>
-            </a:extLst>
-          </a:blip>
-          <a:srcRect t="3605" b="3605"/>
-          <a:stretch>
-            <a:fillRect/>
-          </a:stretch>
-        </p:blipFill>
-        <p:spPr/>
-      </p:pic>
-      <p:pic>
-        <p:nvPicPr>
-          <p:cNvPr id="62" name="Picture Placeholder 61" descr="A diagram of a computer network&#10;&#10;AI-generated content may be incorrect.">
-            <a:extLst>
-              <a:ext uri="{FF2B5EF4-FFF2-40B4-BE49-F238E27FC236}">
-                <a16:creationId xmlns:a16="http://schemas.microsoft.com/office/drawing/2014/main" id="{DA7D0E31-3DB0-0129-F24A-44BC910169A2}"/>
-              </a:ext>
-            </a:extLst>
-          </p:cNvPr>
-          <p:cNvPicPr>
-            <a:picLocks noGrp="1" noChangeAspect="1"/>
-          </p:cNvPicPr>
-          <p:nvPr>
-            <p:ph type="pic" sz="quarter" idx="30"/>
-          </p:nvPr>
-        </p:nvPicPr>
-        <p:blipFill>
-          <a:blip r:embed="rId4" cstate="print">
-            <a:extLst>
-              <a:ext uri="{28A0092B-C50C-407E-A947-70E740481C1C}">
-                <a14:useLocalDpi xmlns:a14="http://schemas.microsoft.com/office/drawing/2010/main" val="0"/>
-              </a:ext>
-            </a:extLst>
-          </a:blip>
-          <a:srcRect l="-360" t="-45432" r="675" b="-39124"/>
-          <a:stretch>
-            <a:fillRect/>
-          </a:stretch>
-        </p:blipFill>
-        <p:spPr>
-          <a:xfrm>
-            <a:off x="2099240" y="6457433"/>
-            <a:ext cx="1786960" cy="1581671"/>
-          </a:xfrm>
-        </p:spPr>
-      </p:pic>
-      <p:pic>
-        <p:nvPicPr>
-          <p:cNvPr id="60" name="Picture Placeholder 59" descr="A computer screen with a diagram&#10;&#10;AI-generated content may be incorrect.">
-            <a:extLst>
-              <a:ext uri="{FF2B5EF4-FFF2-40B4-BE49-F238E27FC236}">
-                <a16:creationId xmlns:a16="http://schemas.microsoft.com/office/drawing/2014/main" id="{26BA2378-F962-8A02-721F-B9CEEBAD3E98}"/>
-              </a:ext>
-            </a:extLst>
-          </p:cNvPr>
-          <p:cNvPicPr>
-            <a:picLocks noGrp="1" noChangeAspect="1"/>
-          </p:cNvPicPr>
-          <p:nvPr>
-            <p:ph type="pic" sz="quarter" idx="35"/>
-          </p:nvPr>
-        </p:nvPicPr>
-        <p:blipFill>
-          <a:blip r:embed="rId5" cstate="print">
-            <a:extLst>
-              <a:ext uri="{28A0092B-C50C-407E-A947-70E740481C1C}">
-                <a14:useLocalDpi xmlns:a14="http://schemas.microsoft.com/office/drawing/2010/main" val="0"/>
-              </a:ext>
-            </a:extLst>
-          </a:blip>
-          <a:srcRect l="-728" t="-50277" r="-218" b="-50277"/>
-          <a:stretch>
-            <a:fillRect/>
-          </a:stretch>
-        </p:blipFill>
-        <p:spPr>
-          <a:xfrm>
-            <a:off x="312280" y="6457433"/>
-            <a:ext cx="1786960" cy="1581671"/>
-          </a:xfrm>
-        </p:spPr>
-      </p:pic>
       <p:sp>
         <p:nvSpPr>
           <p:cNvPr id="45" name="Rectangle 1">
@@ -1729,7 +1644,7 @@
         </p:nvSpPr>
         <p:spPr bwMode="auto">
           <a:xfrm>
-            <a:off x="4334255" y="5153937"/>
+            <a:off x="4334255" y="5133617"/>
             <a:ext cx="2970060" cy="1010326"/>
           </a:xfrm>
           <a:prstGeom prst="rect">
@@ -1745,11 +1660,11 @@
             <a:pPr algn="just"/>
             <a:r>
               <a:rPr lang="ar-SA" altLang="en-US" sz="800" b="1" dirty="0"/>
-              <a:t>التحليل الهجين لـ</a:t>
+              <a:t>التحليل الهجين </a:t>
             </a:r>
             <a:r>
               <a:rPr lang="en-US" altLang="en-US" sz="800" b="1" dirty="0"/>
-              <a:t> SQL: </a:t>
+              <a:t>SQL:</a:t>
             </a:r>
             <a:r>
               <a:rPr lang="ar-SA" altLang="en-US" sz="800" b="1" dirty="0"/>
@@ -1780,7 +1695,7 @@
             <a:pPr algn="just"/>
             <a:r>
               <a:rPr lang="ar-SA" altLang="en-US" sz="800" b="1" dirty="0"/>
-              <a:t>تصنيف المخططات بالقاعدة العرافية</a:t>
+              <a:t>تصنيف المخططات القاعدة المعرفية</a:t>
             </a:r>
             <a:r>
               <a:rPr lang="en-US" altLang="en-US" sz="800" b="1" dirty="0"/>
@@ -1798,14 +1713,22 @@
           <a:p>
             <a:pPr algn="just"/>
             <a:r>
+              <a:rPr lang="ar-EG" altLang="en-US" sz="800" b="1" dirty="0"/>
+              <a:t>بدعم </a:t>
+            </a:r>
+            <a:r>
               <a:rPr lang="ar-SA" altLang="en-US" sz="800" b="1" dirty="0"/>
-              <a:t>تحسين مدفوع بالذكاء الاصطناعي</a:t>
+              <a:t>الذكاء الاصطناعي</a:t>
             </a:r>
             <a:r>
               <a:rPr lang="en-US" altLang="en-US" sz="800" b="1" dirty="0"/>
               <a:t>: </a:t>
             </a:r>
             <a:r>
+              <a:rPr lang="ar-EG" altLang="en-US" sz="800" b="1" dirty="0"/>
+              <a:t> تحسين </a:t>
+            </a:r>
+            <a:r>
               <a:rPr lang="ar-SA" altLang="en-US" sz="800" b="1" dirty="0"/>
               <a:t>تطبيق نموذج</a:t>
             </a:r>
@@ -1822,6 +1745,10 @@
               <a:t> JSON </a:t>
             </a:r>
             <a:r>
+              <a:rPr lang="ar-EG" altLang="en-US" sz="800" b="1" dirty="0"/>
+              <a:t> </a:t>
+            </a:r>
+            <a:r>
               <a:rPr lang="ar-SA" altLang="en-US" sz="800" b="1" dirty="0"/>
               <a:t>لتحديد مجالات البيانات</a:t>
             </a:r>
@@ -1840,293 +1767,6 @@
           </a:p>
         </p:txBody>
       </p:sp>
-      <p:graphicFrame>
-        <p:nvGraphicFramePr>
-          <p:cNvPr id="47" name="Table 46">
-            <a:extLst>
-              <a:ext uri="{FF2B5EF4-FFF2-40B4-BE49-F238E27FC236}">
-                <a16:creationId xmlns:a16="http://schemas.microsoft.com/office/drawing/2014/main" id="{5B3235FB-0650-3E07-70AD-0F14AB648F8B}"/>
-              </a:ext>
-            </a:extLst>
-          </p:cNvPr>
-          <p:cNvGraphicFramePr>
-            <a:graphicFrameLocks noGrp="1"/>
-          </p:cNvGraphicFramePr>
-          <p:nvPr>
-            <p:extLst>
-              <p:ext uri="{D42A27DB-BD31-4B8C-83A1-F6EECF244321}">
-                <p14:modId xmlns:p14="http://schemas.microsoft.com/office/powerpoint/2010/main" val="838638409"/>
-              </p:ext>
-            </p:extLst>
-          </p:nvPr>
-        </p:nvGraphicFramePr>
-        <p:xfrm>
-          <a:off x="5777722" y="8562340"/>
-          <a:ext cx="1526593" cy="1280160"/>
-        </p:xfrm>
-        <a:graphic>
-          <a:graphicData uri="http://schemas.openxmlformats.org/drawingml/2006/table">
-            <a:tbl>
-              <a:tblPr>
-                <a:tableStyleId>{5940675A-B579-460E-94D1-54222C63F5DA}</a:tableStyleId>
-              </a:tblPr>
-              <a:tblGrid>
-                <a:gridCol w="1526593">
-                  <a:extLst>
-                    <a:ext uri="{9D8B030D-6E8A-4147-A177-3AD203B41FA5}">
-                      <a16:colId xmlns:a16="http://schemas.microsoft.com/office/drawing/2014/main" val="2958394748"/>
-                    </a:ext>
-                  </a:extLst>
-                </a:gridCol>
-              </a:tblGrid>
-              <a:tr h="191770">
-                <a:tc>
-                  <a:txBody>
-                    <a:bodyPr/>
-                    <a:lstStyle/>
-                    <a:p>
-                      <a:pPr marL="0" lvl="1" indent="0" algn="just" defTabSz="1425550" rtl="1" eaLnBrk="1" latinLnBrk="0" hangingPunct="1">
-                        <a:lnSpc>
-                          <a:spcPct val="100000"/>
-                        </a:lnSpc>
-                        <a:spcBef>
-                          <a:spcPts val="250"/>
-                        </a:spcBef>
-                        <a:buFont typeface="Arial" panose="020B0604020202020204" pitchFamily="34" charset="0"/>
-                        <a:buNone/>
-                      </a:pPr>
-                      <a:r>
-                        <a:rPr lang="ar-EG" sz="800" b="1" kern="1200" dirty="0">
-                          <a:solidFill>
-                            <a:srgbClr val="7030A0"/>
-                          </a:solidFill>
-                          <a:latin typeface="+mn-lt"/>
-                          <a:ea typeface="+mn-ea"/>
-                          <a:cs typeface="Almarai"/>
-                        </a:rPr>
-                        <a:t>المقياس</a:t>
-                      </a:r>
-                    </a:p>
-                  </a:txBody>
-                  <a:tcPr anchor="ctr"/>
-                </a:tc>
-                <a:extLst>
-                  <a:ext uri="{0D108BD9-81ED-4DB2-BD59-A6C34878D82A}">
-                    <a16:rowId xmlns:a16="http://schemas.microsoft.com/office/drawing/2014/main" val="1167281064"/>
-                  </a:ext>
-                </a:extLst>
-              </a:tr>
-              <a:tr h="191770">
-                <a:tc>
-                  <a:txBody>
-                    <a:bodyPr/>
-                    <a:lstStyle/>
-                    <a:p>
-                      <a:pPr marL="0" lvl="1" indent="0" algn="just" defTabSz="1425550" rtl="1" eaLnBrk="1" latinLnBrk="0" hangingPunct="1">
-                        <a:lnSpc>
-                          <a:spcPct val="100000"/>
-                        </a:lnSpc>
-                        <a:spcBef>
-                          <a:spcPts val="250"/>
-                        </a:spcBef>
-                        <a:buFont typeface="Arial" panose="020B0604020202020204" pitchFamily="34" charset="0"/>
-                        <a:buNone/>
-                      </a:pPr>
-                      <a:r>
-                        <a:rPr lang="ar-EG" sz="800" b="1" kern="1200" dirty="0">
-                          <a:solidFill>
-                            <a:srgbClr val="7030A0"/>
-                          </a:solidFill>
-                          <a:latin typeface="+mn-lt"/>
-                          <a:ea typeface="+mn-ea"/>
-                          <a:cs typeface="Almarai"/>
-                        </a:rPr>
-                        <a:t>دقة تحليل </a:t>
-                      </a:r>
-                      <a:r>
-                        <a:rPr lang="en-US" sz="800" b="1" kern="1200" dirty="0">
-                          <a:solidFill>
-                            <a:srgbClr val="7030A0"/>
-                          </a:solidFill>
-                          <a:latin typeface="+mn-lt"/>
-                          <a:ea typeface="+mn-ea"/>
-                          <a:cs typeface="Almarai"/>
-                        </a:rPr>
-                        <a:t>SQL (Parsing)</a:t>
-                      </a:r>
-                    </a:p>
-                  </a:txBody>
-                  <a:tcPr anchor="ctr"/>
-                </a:tc>
-                <a:extLst>
-                  <a:ext uri="{0D108BD9-81ED-4DB2-BD59-A6C34878D82A}">
-                    <a16:rowId xmlns:a16="http://schemas.microsoft.com/office/drawing/2014/main" val="1441248860"/>
-                  </a:ext>
-                </a:extLst>
-              </a:tr>
-              <a:tr h="191770">
-                <a:tc>
-                  <a:txBody>
-                    <a:bodyPr/>
-                    <a:lstStyle/>
-                    <a:p>
-                      <a:pPr marL="0" lvl="1" indent="0" algn="just" defTabSz="1425550" rtl="1" eaLnBrk="1" latinLnBrk="0" hangingPunct="1">
-                        <a:lnSpc>
-                          <a:spcPct val="100000"/>
-                        </a:lnSpc>
-                        <a:spcBef>
-                          <a:spcPts val="250"/>
-                        </a:spcBef>
-                        <a:buFont typeface="Arial" panose="020B0604020202020204" pitchFamily="34" charset="0"/>
-                        <a:buNone/>
-                      </a:pPr>
-                      <a:r>
-                        <a:rPr lang="ar-EG" sz="800" b="1" kern="1200" dirty="0">
-                          <a:solidFill>
-                            <a:srgbClr val="7030A0"/>
-                          </a:solidFill>
-                          <a:latin typeface="+mn-lt"/>
-                          <a:ea typeface="+mn-ea"/>
-                          <a:cs typeface="Almarai"/>
-                        </a:rPr>
-                        <a:t>دقة تحديد المجال (</a:t>
-                      </a:r>
-                      <a:r>
-                        <a:rPr lang="en-US" sz="800" b="1" kern="1200" dirty="0">
-                          <a:solidFill>
-                            <a:srgbClr val="7030A0"/>
-                          </a:solidFill>
-                          <a:latin typeface="+mn-lt"/>
-                          <a:ea typeface="+mn-ea"/>
-                          <a:cs typeface="Almarai"/>
-                        </a:rPr>
-                        <a:t>Domain)</a:t>
-                      </a:r>
-                    </a:p>
-                  </a:txBody>
-                  <a:tcPr anchor="ctr"/>
-                </a:tc>
-                <a:extLst>
-                  <a:ext uri="{0D108BD9-81ED-4DB2-BD59-A6C34878D82A}">
-                    <a16:rowId xmlns:a16="http://schemas.microsoft.com/office/drawing/2014/main" val="384822494"/>
-                  </a:ext>
-                </a:extLst>
-              </a:tr>
-              <a:tr h="191770">
-                <a:tc>
-                  <a:txBody>
-                    <a:bodyPr/>
-                    <a:lstStyle/>
-                    <a:p>
-                      <a:pPr marL="0" lvl="1" indent="0" algn="just" defTabSz="1425550" rtl="1" eaLnBrk="1" latinLnBrk="0" hangingPunct="1">
-                        <a:lnSpc>
-                          <a:spcPct val="100000"/>
-                        </a:lnSpc>
-                        <a:spcBef>
-                          <a:spcPts val="250"/>
-                        </a:spcBef>
-                        <a:buFont typeface="Arial" panose="020B0604020202020204" pitchFamily="34" charset="0"/>
-                        <a:buNone/>
-                      </a:pPr>
-                      <a:r>
-                        <a:rPr lang="ar-EG" sz="800" b="1" kern="1200">
-                          <a:solidFill>
-                            <a:srgbClr val="7030A0"/>
-                          </a:solidFill>
-                          <a:latin typeface="+mn-lt"/>
-                          <a:ea typeface="+mn-ea"/>
-                          <a:cs typeface="Almarai"/>
-                        </a:rPr>
-                        <a:t>زمن توليد المخطط (100 جدول)</a:t>
-                      </a:r>
-                    </a:p>
-                  </a:txBody>
-                  <a:tcPr anchor="ctr"/>
-                </a:tc>
-                <a:extLst>
-                  <a:ext uri="{0D108BD9-81ED-4DB2-BD59-A6C34878D82A}">
-                    <a16:rowId xmlns:a16="http://schemas.microsoft.com/office/drawing/2014/main" val="2471197636"/>
-                  </a:ext>
-                </a:extLst>
-              </a:tr>
-              <a:tr h="191770">
-                <a:tc>
-                  <a:txBody>
-                    <a:bodyPr/>
-                    <a:lstStyle/>
-                    <a:p>
-                      <a:pPr marL="0" lvl="1" indent="0" algn="just" defTabSz="1425550" rtl="1" eaLnBrk="1" latinLnBrk="0" hangingPunct="1">
-                        <a:lnSpc>
-                          <a:spcPct val="100000"/>
-                        </a:lnSpc>
-                        <a:spcBef>
-                          <a:spcPts val="250"/>
-                        </a:spcBef>
-                        <a:buFont typeface="Arial" panose="020B0604020202020204" pitchFamily="34" charset="0"/>
-                        <a:buNone/>
-                      </a:pPr>
-                      <a:r>
-                        <a:rPr lang="ar-EG" sz="800" b="1" kern="1200" dirty="0">
-                          <a:solidFill>
-                            <a:srgbClr val="7030A0"/>
-                          </a:solidFill>
-                          <a:latin typeface="+mn-lt"/>
-                          <a:ea typeface="+mn-ea"/>
-                          <a:cs typeface="Almarai"/>
-                        </a:rPr>
-                        <a:t>خفض الأخطاء</a:t>
-                      </a:r>
-                    </a:p>
-                  </a:txBody>
-                  <a:tcPr anchor="ctr"/>
-                </a:tc>
-                <a:extLst>
-                  <a:ext uri="{0D108BD9-81ED-4DB2-BD59-A6C34878D82A}">
-                    <a16:rowId xmlns:a16="http://schemas.microsoft.com/office/drawing/2014/main" val="587327664"/>
-                  </a:ext>
-                </a:extLst>
-              </a:tr>
-              <a:tr h="191770">
-                <a:tc>
-                  <a:txBody>
-                    <a:bodyPr/>
-                    <a:lstStyle/>
-                    <a:p>
-                      <a:pPr marL="0" lvl="1" indent="0" algn="just" defTabSz="1425550" rtl="1" eaLnBrk="1" latinLnBrk="0" hangingPunct="1">
-                        <a:lnSpc>
-                          <a:spcPct val="100000"/>
-                        </a:lnSpc>
-                        <a:spcBef>
-                          <a:spcPts val="250"/>
-                        </a:spcBef>
-                        <a:buFont typeface="Arial" panose="020B0604020202020204" pitchFamily="34" charset="0"/>
-                        <a:buNone/>
-                      </a:pPr>
-                      <a:r>
-                        <a:rPr lang="ar-EG" sz="800" b="1" kern="1200" dirty="0">
-                          <a:solidFill>
-                            <a:srgbClr val="7030A0"/>
-                          </a:solidFill>
-                          <a:latin typeface="+mn-lt"/>
-                          <a:ea typeface="+mn-ea"/>
-                          <a:cs typeface="Almarai"/>
-                        </a:rPr>
-                        <a:t>رضا المستخدم (على مقياس ١–٥)</a:t>
-                      </a:r>
-                    </a:p>
-                  </a:txBody>
-                  <a:tcPr anchor="ctr"/>
-                </a:tc>
-                <a:extLst>
-                  <a:ext uri="{0D108BD9-81ED-4DB2-BD59-A6C34878D82A}">
-                    <a16:rowId xmlns:a16="http://schemas.microsoft.com/office/drawing/2014/main" val="1676086433"/>
-                  </a:ext>
-                </a:extLst>
-              </a:tr>
-            </a:tbl>
-          </a:graphicData>
-        </a:graphic>
-      </p:graphicFrame>
       <p:sp>
         <p:nvSpPr>
           <p:cNvPr id="48" name="Rectangle 3">
@@ -2210,25 +1850,30 @@
                 <a:solidFill>
                   <a:srgbClr val="7030A0"/>
                 </a:solidFill>
-                <a:cs typeface="Almarai"/>
               </a:rPr>
               <a:t>تسريع عملية التصميم</a:t>
             </a:r>
             <a:r>
+              <a:rPr lang="ar-EG" altLang="en-US" sz="800" b="1" dirty="0">
+                <a:solidFill>
+                  <a:srgbClr val="7030A0"/>
+                </a:solidFill>
+              </a:rPr>
+              <a:t>:</a:t>
+            </a:r>
+            <a:r>
               <a:rPr lang="en-US" altLang="en-US" sz="800" b="1" dirty="0">
                 <a:solidFill>
                   <a:srgbClr val="7030A0"/>
                 </a:solidFill>
-                <a:cs typeface="Almarai"/>
-              </a:rPr>
-              <a:t> : </a:t>
+              </a:rPr>
+              <a:t> </a:t>
             </a:r>
             <a:r>
               <a:rPr lang="ar-SA" altLang="en-US" sz="800" b="1" dirty="0">
                 <a:solidFill>
                   <a:srgbClr val="7030A0"/>
                 </a:solidFill>
-                <a:cs typeface="Almarai"/>
               </a:rPr>
               <a:t>توفير ما يصل إلى 90 % من الوقت مقارنة بالتصميم اليدوي</a:t>
             </a:r>
@@ -2237,7 +1882,6 @@
                 <a:solidFill>
                   <a:srgbClr val="7030A0"/>
                 </a:solidFill>
-                <a:cs typeface="Almarai"/>
               </a:rPr>
               <a:t>.</a:t>
             </a:r>
@@ -2259,25 +1903,30 @@
                 <a:solidFill>
                   <a:srgbClr val="7030A0"/>
                 </a:solidFill>
-                <a:cs typeface="Almarai"/>
               </a:rPr>
               <a:t>تقليل الأخطاء</a:t>
             </a:r>
             <a:r>
+              <a:rPr lang="ar-EG" altLang="en-US" sz="800" b="1" dirty="0">
+                <a:solidFill>
+                  <a:srgbClr val="7030A0"/>
+                </a:solidFill>
+              </a:rPr>
+              <a:t>: </a:t>
+            </a:r>
+            <a:r>
               <a:rPr lang="en-US" altLang="en-US" sz="800" b="1" dirty="0">
                 <a:solidFill>
                   <a:srgbClr val="7030A0"/>
                 </a:solidFill>
-                <a:cs typeface="Almarai"/>
-              </a:rPr>
-              <a:t>: </a:t>
+              </a:rPr>
+              <a:t> </a:t>
             </a:r>
             <a:r>
               <a:rPr lang="ar-SA" altLang="en-US" sz="800" b="1" dirty="0">
                 <a:solidFill>
                   <a:srgbClr val="7030A0"/>
                 </a:solidFill>
-                <a:cs typeface="Almarai"/>
               </a:rPr>
               <a:t>زيادة موثوقية المخازن وتقليل إعادة العمل</a:t>
             </a:r>
@@ -2286,7 +1935,6 @@
                 <a:solidFill>
                   <a:srgbClr val="7030A0"/>
                 </a:solidFill>
-                <a:cs typeface="Almarai"/>
               </a:rPr>
               <a:t>.</a:t>
             </a:r>
@@ -2308,34 +1956,30 @@
                 <a:solidFill>
                   <a:srgbClr val="7030A0"/>
                 </a:solidFill>
-                <a:cs typeface="Almarai"/>
               </a:rPr>
               <a:t>دعم قطاعات متعددة</a:t>
             </a:r>
             <a:r>
+              <a:rPr lang="ar-EG" altLang="en-US" sz="800" b="1" dirty="0">
+                <a:solidFill>
+                  <a:srgbClr val="7030A0"/>
+                </a:solidFill>
+              </a:rPr>
+              <a:t>: </a:t>
+            </a:r>
+            <a:r>
+              <a:rPr lang="ar-SA" altLang="en-US" sz="800" b="1" dirty="0">
+                <a:solidFill>
+                  <a:srgbClr val="7030A0"/>
+                </a:solidFill>
+              </a:rPr>
+              <a:t>قابلية التطبيق في المالية، والرعاية الصحية، والتجزئة</a:t>
+            </a:r>
+            <a:r>
               <a:rPr lang="en-US" altLang="en-US" sz="800" b="1" dirty="0">
                 <a:solidFill>
                   <a:srgbClr val="7030A0"/>
                 </a:solidFill>
-                <a:cs typeface="Almarai"/>
-              </a:rPr>
-              <a:t>: </a:t>
-            </a:r>
-            <a:r>
-              <a:rPr lang="ar-SA" altLang="en-US" sz="800" b="1" dirty="0">
-                <a:solidFill>
-                  <a:srgbClr val="7030A0"/>
-                </a:solidFill>
-                <a:cs typeface="Almarai"/>
-              </a:rPr>
-              <a:t>قابلية التطبيق في المالية، والرعاية الصحية، والتجزئة</a:t>
-            </a:r>
-            <a:r>
-              <a:rPr lang="en-US" altLang="en-US" sz="800" b="1" dirty="0">
-                <a:solidFill>
-                  <a:srgbClr val="7030A0"/>
-                </a:solidFill>
-                <a:cs typeface="Almarai"/>
               </a:rPr>
               <a:t>.</a:t>
             </a:r>
@@ -2357,25 +2001,30 @@
                 <a:solidFill>
                   <a:srgbClr val="7030A0"/>
                 </a:solidFill>
-                <a:cs typeface="Almarai"/>
               </a:rPr>
               <a:t>تحسين اتخاذ القرار</a:t>
             </a:r>
             <a:r>
+              <a:rPr lang="ar-EG" altLang="en-US" sz="800" b="1" dirty="0">
+                <a:solidFill>
+                  <a:srgbClr val="7030A0"/>
+                </a:solidFill>
+              </a:rPr>
+              <a:t>:</a:t>
+            </a:r>
+            <a:r>
               <a:rPr lang="en-US" altLang="en-US" sz="800" b="1" dirty="0">
                 <a:solidFill>
                   <a:srgbClr val="7030A0"/>
                 </a:solidFill>
-                <a:cs typeface="Almarai"/>
-              </a:rPr>
-              <a:t>: </a:t>
+              </a:rPr>
+              <a:t> </a:t>
             </a:r>
             <a:r>
               <a:rPr lang="ar-SA" altLang="en-US" sz="800" b="1" dirty="0">
                 <a:solidFill>
                   <a:srgbClr val="7030A0"/>
                 </a:solidFill>
-                <a:cs typeface="Almarai"/>
               </a:rPr>
               <a:t>تمكين المحللين من تعديل المخطط وتحديثه في الوقت الحقيقي بسهولة</a:t>
             </a:r>
@@ -2384,7 +2033,6 @@
                 <a:solidFill>
                   <a:srgbClr val="7030A0"/>
                 </a:solidFill>
-                <a:cs typeface="Almarai"/>
               </a:rPr>
               <a:t>.</a:t>
             </a:r>
@@ -2393,10 +2041,379 @@
       </p:sp>
       <p:pic>
         <p:nvPicPr>
-          <p:cNvPr id="68" name="Picture Placeholder 67" descr="A screenshot of a web page&#10;&#10;AI-generated content may be incorrect.">
+          <p:cNvPr id="67" name="Picture Placeholder 66" descr="A diagram of a software company&#10;&#10;AI-generated content may be incorrect.">
             <a:extLst>
               <a:ext uri="{FF2B5EF4-FFF2-40B4-BE49-F238E27FC236}">
-                <a16:creationId xmlns:a16="http://schemas.microsoft.com/office/drawing/2014/main" id="{28B2D073-99C8-E2DB-0E82-EEF019F87872}"/>
+                <a16:creationId xmlns:a16="http://schemas.microsoft.com/office/drawing/2014/main" id="{FEEA70C8-E32E-AC50-9742-25A68F09C75E}"/>
+              </a:ext>
+            </a:extLst>
+          </p:cNvPr>
+          <p:cNvPicPr>
+            <a:picLocks noGrp="1" noChangeAspect="1"/>
+          </p:cNvPicPr>
+          <p:nvPr>
+            <p:ph type="pic" sz="quarter" idx="24"/>
+          </p:nvPr>
+        </p:nvPicPr>
+        <p:blipFill>
+          <a:blip r:embed="rId3" cstate="print">
+            <a:extLst>
+              <a:ext uri="{28A0092B-C50C-407E-A947-70E740481C1C}">
+                <a14:useLocalDpi xmlns:a14="http://schemas.microsoft.com/office/drawing/2010/main" val="0"/>
+              </a:ext>
+            </a:extLst>
+          </a:blip>
+          <a:srcRect l="4296" t="12600" r="10696" b="-3940"/>
+          <a:stretch>
+            <a:fillRect/>
+          </a:stretch>
+        </p:blipFill>
+        <p:spPr>
+          <a:xfrm>
+            <a:off x="312280" y="2982625"/>
+            <a:ext cx="3561020" cy="1509521"/>
+          </a:xfrm>
+        </p:spPr>
+      </p:pic>
+      <p:sp>
+        <p:nvSpPr>
+          <p:cNvPr id="69" name="TextBox 68">
+            <a:extLst>
+              <a:ext uri="{FF2B5EF4-FFF2-40B4-BE49-F238E27FC236}">
+                <a16:creationId xmlns:a16="http://schemas.microsoft.com/office/drawing/2014/main" id="{D6DBCAFD-63C1-8EEE-5268-6983780A7DDF}"/>
+              </a:ext>
+            </a:extLst>
+          </p:cNvPr>
+          <p:cNvSpPr txBox="1"/>
+          <p:nvPr/>
+        </p:nvSpPr>
+        <p:spPr>
+          <a:xfrm>
+            <a:off x="1318958" y="4276702"/>
+            <a:ext cx="1547665" cy="215444"/>
+          </a:xfrm>
+          <a:prstGeom prst="rect">
+            <a:avLst/>
+          </a:prstGeom>
+          <a:noFill/>
+        </p:spPr>
+        <p:txBody>
+          <a:bodyPr wrap="square" rtlCol="0">
+            <a:spAutoFit/>
+          </a:bodyPr>
+          <a:lstStyle/>
+          <a:p>
+            <a:r>
+              <a:rPr lang="en-US" sz="800" dirty="0">
+                <a:solidFill>
+                  <a:srgbClr val="7030A0"/>
+                </a:solidFill>
+                <a:latin typeface="Arial" panose="020B0604020202020204" pitchFamily="34" charset="0"/>
+                <a:cs typeface="Arial" panose="020B0604020202020204" pitchFamily="34" charset="0"/>
+              </a:rPr>
+              <a:t>Figure 1: System Architecture</a:t>
+            </a:r>
+          </a:p>
+        </p:txBody>
+      </p:sp>
+      <p:sp>
+        <p:nvSpPr>
+          <p:cNvPr id="73" name="TextBox 72">
+            <a:extLst>
+              <a:ext uri="{FF2B5EF4-FFF2-40B4-BE49-F238E27FC236}">
+                <a16:creationId xmlns:a16="http://schemas.microsoft.com/office/drawing/2014/main" id="{AFB13A07-BC46-D5F6-F208-D606CDAEFD4F}"/>
+              </a:ext>
+            </a:extLst>
+          </p:cNvPr>
+          <p:cNvSpPr txBox="1"/>
+          <p:nvPr/>
+        </p:nvSpPr>
+        <p:spPr>
+          <a:xfrm>
+            <a:off x="2235056" y="6241989"/>
+            <a:ext cx="1502428" cy="215444"/>
+          </a:xfrm>
+          <a:prstGeom prst="rect">
+            <a:avLst/>
+          </a:prstGeom>
+          <a:noFill/>
+        </p:spPr>
+        <p:txBody>
+          <a:bodyPr wrap="square" rtlCol="0">
+            <a:spAutoFit/>
+          </a:bodyPr>
+          <a:lstStyle/>
+          <a:p>
+            <a:r>
+              <a:rPr lang="en-US" sz="800" dirty="0">
+                <a:solidFill>
+                  <a:srgbClr val="7030A0"/>
+                </a:solidFill>
+                <a:latin typeface="Arial" panose="020B0604020202020204" pitchFamily="34" charset="0"/>
+                <a:cs typeface="Arial" panose="020B0604020202020204" pitchFamily="34" charset="0"/>
+              </a:rPr>
+              <a:t>Figure 3: Evaluation Report </a:t>
+            </a:r>
+          </a:p>
+        </p:txBody>
+      </p:sp>
+      <p:sp>
+        <p:nvSpPr>
+          <p:cNvPr id="74" name="TextBox 73">
+            <a:extLst>
+              <a:ext uri="{FF2B5EF4-FFF2-40B4-BE49-F238E27FC236}">
+                <a16:creationId xmlns:a16="http://schemas.microsoft.com/office/drawing/2014/main" id="{CE7D33B5-FB33-B388-FC07-AD9C1A7BB6DB}"/>
+              </a:ext>
+            </a:extLst>
+          </p:cNvPr>
+          <p:cNvSpPr txBox="1"/>
+          <p:nvPr/>
+        </p:nvSpPr>
+        <p:spPr>
+          <a:xfrm>
+            <a:off x="595312" y="8017453"/>
+            <a:ext cx="1220896" cy="215444"/>
+          </a:xfrm>
+          <a:prstGeom prst="rect">
+            <a:avLst/>
+          </a:prstGeom>
+          <a:noFill/>
+        </p:spPr>
+        <p:txBody>
+          <a:bodyPr wrap="square" rtlCol="0">
+            <a:spAutoFit/>
+          </a:bodyPr>
+          <a:lstStyle/>
+          <a:p>
+            <a:r>
+              <a:rPr lang="en-US" sz="800" dirty="0">
+                <a:solidFill>
+                  <a:srgbClr val="7030A0"/>
+                </a:solidFill>
+                <a:latin typeface="Arial" panose="020B0604020202020204" pitchFamily="34" charset="0"/>
+                <a:cs typeface="Arial" panose="020B0604020202020204" pitchFamily="34" charset="0"/>
+              </a:rPr>
+              <a:t>Figure 4: Dashboard</a:t>
+            </a:r>
+          </a:p>
+        </p:txBody>
+      </p:sp>
+      <p:sp>
+        <p:nvSpPr>
+          <p:cNvPr id="76" name="TextBox 75">
+            <a:extLst>
+              <a:ext uri="{FF2B5EF4-FFF2-40B4-BE49-F238E27FC236}">
+                <a16:creationId xmlns:a16="http://schemas.microsoft.com/office/drawing/2014/main" id="{DA015CEE-5B0C-DBC0-5FB4-1D24188BB912}"/>
+              </a:ext>
+            </a:extLst>
+          </p:cNvPr>
+          <p:cNvSpPr txBox="1"/>
+          <p:nvPr/>
+        </p:nvSpPr>
+        <p:spPr>
+          <a:xfrm>
+            <a:off x="486879" y="6241989"/>
+            <a:ext cx="1438756" cy="215444"/>
+          </a:xfrm>
+          <a:prstGeom prst="rect">
+            <a:avLst/>
+          </a:prstGeom>
+          <a:noFill/>
+        </p:spPr>
+        <p:txBody>
+          <a:bodyPr wrap="square" rtlCol="0">
+            <a:spAutoFit/>
+          </a:bodyPr>
+          <a:lstStyle/>
+          <a:p>
+            <a:r>
+              <a:rPr lang="en-US" sz="800" dirty="0">
+                <a:solidFill>
+                  <a:srgbClr val="7030A0"/>
+                </a:solidFill>
+                <a:latin typeface="Arial" panose="020B0604020202020204" pitchFamily="34" charset="0"/>
+                <a:cs typeface="Arial" panose="020B0604020202020204" pitchFamily="34" charset="0"/>
+              </a:rPr>
+              <a:t>Figure 2: AI DW Schema</a:t>
+            </a:r>
+          </a:p>
+        </p:txBody>
+      </p:sp>
+      <p:sp>
+        <p:nvSpPr>
+          <p:cNvPr id="77" name="TextBox 76">
+            <a:extLst>
+              <a:ext uri="{FF2B5EF4-FFF2-40B4-BE49-F238E27FC236}">
+                <a16:creationId xmlns:a16="http://schemas.microsoft.com/office/drawing/2014/main" id="{0FE1AA43-AA52-D0AF-B7D2-F6B961F91F2F}"/>
+              </a:ext>
+            </a:extLst>
+          </p:cNvPr>
+          <p:cNvSpPr txBox="1"/>
+          <p:nvPr/>
+        </p:nvSpPr>
+        <p:spPr>
+          <a:xfrm>
+            <a:off x="2291998" y="8017453"/>
+            <a:ext cx="1397565" cy="215444"/>
+          </a:xfrm>
+          <a:prstGeom prst="rect">
+            <a:avLst/>
+          </a:prstGeom>
+          <a:noFill/>
+        </p:spPr>
+        <p:txBody>
+          <a:bodyPr wrap="square" rtlCol="0">
+            <a:spAutoFit/>
+          </a:bodyPr>
+          <a:lstStyle/>
+          <a:p>
+            <a:r>
+              <a:rPr lang="en-US" sz="800" dirty="0">
+                <a:solidFill>
+                  <a:srgbClr val="7030A0"/>
+                </a:solidFill>
+                <a:latin typeface="Arial" panose="020B0604020202020204" pitchFamily="34" charset="0"/>
+                <a:cs typeface="Arial" panose="020B0604020202020204" pitchFamily="34" charset="0"/>
+              </a:rPr>
+              <a:t>Figure </a:t>
+            </a:r>
+            <a:r>
+              <a:rPr lang="ar-EG" sz="800" dirty="0">
+                <a:solidFill>
+                  <a:srgbClr val="7030A0"/>
+                </a:solidFill>
+                <a:latin typeface="Arial" panose="020B0604020202020204" pitchFamily="34" charset="0"/>
+                <a:cs typeface="Arial" panose="020B0604020202020204" pitchFamily="34" charset="0"/>
+              </a:rPr>
+              <a:t>5</a:t>
+            </a:r>
+            <a:r>
+              <a:rPr lang="en-US" sz="800" dirty="0">
+                <a:solidFill>
+                  <a:srgbClr val="7030A0"/>
+                </a:solidFill>
+                <a:latin typeface="Arial" panose="020B0604020202020204" pitchFamily="34" charset="0"/>
+                <a:cs typeface="Arial" panose="020B0604020202020204" pitchFamily="34" charset="0"/>
+              </a:rPr>
+              <a:t>: Schema Export</a:t>
+            </a:r>
+          </a:p>
+        </p:txBody>
+      </p:sp>
+      <p:pic>
+        <p:nvPicPr>
+          <p:cNvPr id="107" name="Picture Placeholder 106" descr="A screenshot of a computer&#10;&#10;AI-generated content may be incorrect.">
+            <a:extLst>
+              <a:ext uri="{FF2B5EF4-FFF2-40B4-BE49-F238E27FC236}">
+                <a16:creationId xmlns:a16="http://schemas.microsoft.com/office/drawing/2014/main" id="{814971F9-F297-B26E-A635-298757DE57F6}"/>
+              </a:ext>
+            </a:extLst>
+          </p:cNvPr>
+          <p:cNvPicPr>
+            <a:picLocks noGrp="1" noChangeAspect="1"/>
+          </p:cNvPicPr>
+          <p:nvPr>
+            <p:ph type="pic" sz="quarter" idx="35"/>
+          </p:nvPr>
+        </p:nvPicPr>
+        <p:blipFill>
+          <a:blip r:embed="rId4" cstate="print">
+            <a:extLst>
+              <a:ext uri="{28A0092B-C50C-407E-A947-70E740481C1C}">
+                <a14:useLocalDpi xmlns:a14="http://schemas.microsoft.com/office/drawing/2010/main" val="0"/>
+              </a:ext>
+            </a:extLst>
+          </a:blip>
+          <a:srcRect l="21470" t="5711" r="24348" b="-5711"/>
+          <a:stretch>
+            <a:fillRect/>
+          </a:stretch>
+        </p:blipFill>
+        <p:spPr>
+          <a:xfrm>
+            <a:off x="312280" y="6492837"/>
+            <a:ext cx="1786960" cy="1517290"/>
+          </a:xfrm>
+        </p:spPr>
+      </p:pic>
+      <p:pic>
+        <p:nvPicPr>
+          <p:cNvPr id="105" name="Picture Placeholder 104" descr="A screenshot of a computer&#10;&#10;AI-generated content may be incorrect.">
+            <a:extLst>
+              <a:ext uri="{FF2B5EF4-FFF2-40B4-BE49-F238E27FC236}">
+                <a16:creationId xmlns:a16="http://schemas.microsoft.com/office/drawing/2014/main" id="{380F3403-4402-F3F9-EDA0-30327FEB12D2}"/>
+              </a:ext>
+            </a:extLst>
+          </p:cNvPr>
+          <p:cNvPicPr>
+            <a:picLocks noGrp="1" noChangeAspect="1"/>
+          </p:cNvPicPr>
+          <p:nvPr>
+            <p:ph type="pic" sz="quarter" idx="30"/>
+          </p:nvPr>
+        </p:nvPicPr>
+        <p:blipFill>
+          <a:blip r:embed="rId5" cstate="print">
+            <a:extLst>
+              <a:ext uri="{28A0092B-C50C-407E-A947-70E740481C1C}">
+                <a14:useLocalDpi xmlns:a14="http://schemas.microsoft.com/office/drawing/2010/main" val="0"/>
+              </a:ext>
+            </a:extLst>
+          </a:blip>
+          <a:srcRect l="9120" r="9120"/>
+          <a:stretch>
+            <a:fillRect/>
+          </a:stretch>
+        </p:blipFill>
+        <p:spPr>
+          <a:xfrm>
+            <a:off x="2099240" y="6500606"/>
+            <a:ext cx="1783080" cy="1509521"/>
+          </a:xfrm>
+        </p:spPr>
+      </p:pic>
+      <p:pic>
+        <p:nvPicPr>
+          <p:cNvPr id="97" name="Picture Placeholder 96" descr="A screenshot of a computer&#10;&#10;AI-generated content may be incorrect.">
+            <a:extLst>
+              <a:ext uri="{FF2B5EF4-FFF2-40B4-BE49-F238E27FC236}">
+                <a16:creationId xmlns:a16="http://schemas.microsoft.com/office/drawing/2014/main" id="{8DBA756B-4A14-5365-0A23-410825E5432A}"/>
+              </a:ext>
+            </a:extLst>
+          </p:cNvPr>
+          <p:cNvPicPr>
+            <a:picLocks noGrp="1" noChangeAspect="1"/>
+          </p:cNvPicPr>
+          <p:nvPr>
+            <p:ph type="pic" sz="quarter" idx="26"/>
+          </p:nvPr>
+        </p:nvPicPr>
+        <p:blipFill>
+          <a:blip r:embed="rId6" cstate="print">
+            <a:extLst>
+              <a:ext uri="{28A0092B-C50C-407E-A947-70E740481C1C}">
+                <a14:useLocalDpi xmlns:a14="http://schemas.microsoft.com/office/drawing/2010/main" val="0"/>
+              </a:ext>
+            </a:extLst>
+          </a:blip>
+          <a:srcRect l="4845" r="9271"/>
+          <a:stretch>
+            <a:fillRect/>
+          </a:stretch>
+        </p:blipFill>
+        <p:spPr>
+          <a:xfrm>
+            <a:off x="2099240" y="4724400"/>
+            <a:ext cx="1774060" cy="1536183"/>
+          </a:xfrm>
+        </p:spPr>
+      </p:pic>
+      <p:pic>
+        <p:nvPicPr>
+          <p:cNvPr id="103" name="Picture Placeholder 102" descr="A computer screen shot of a computer&#10;&#10;AI-generated content may be incorrect.">
+            <a:extLst>
+              <a:ext uri="{FF2B5EF4-FFF2-40B4-BE49-F238E27FC236}">
+                <a16:creationId xmlns:a16="http://schemas.microsoft.com/office/drawing/2014/main" id="{67A8B958-3D07-C5B5-65A1-B08D9A0DF2C9}"/>
               </a:ext>
             </a:extLst>
           </p:cNvPr>
@@ -2408,14 +2425,14 @@
           </p:nvPr>
         </p:nvPicPr>
         <p:blipFill>
-          <a:blip r:embed="rId6" cstate="print">
+          <a:blip r:embed="rId7" cstate="print">
             <a:extLst>
               <a:ext uri="{28A0092B-C50C-407E-A947-70E740481C1C}">
                 <a14:useLocalDpi xmlns:a14="http://schemas.microsoft.com/office/drawing/2010/main" val="0"/>
               </a:ext>
             </a:extLst>
           </a:blip>
-          <a:srcRect l="-673" t="-22107" r="363" b="-16366"/>
+          <a:srcRect l="21601" r="27965"/>
           <a:stretch>
             <a:fillRect/>
           </a:stretch>
@@ -2427,307 +2444,550 @@
           </a:xfrm>
         </p:spPr>
       </p:pic>
-      <p:graphicFrame>
-        <p:nvGraphicFramePr>
-          <p:cNvPr id="71" name="Table 70">
+      <p:sp>
+        <p:nvSpPr>
+          <p:cNvPr id="108" name="TextBox 107">
             <a:extLst>
               <a:ext uri="{FF2B5EF4-FFF2-40B4-BE49-F238E27FC236}">
-                <a16:creationId xmlns:a16="http://schemas.microsoft.com/office/drawing/2014/main" id="{E2F11742-B29B-3F90-409C-67CE14BD592E}"/>
+                <a16:creationId xmlns:a16="http://schemas.microsoft.com/office/drawing/2014/main" id="{ABE9048D-7A7A-F091-3215-C7A553DD3367}"/>
               </a:ext>
             </a:extLst>
           </p:cNvPr>
-          <p:cNvGraphicFramePr>
-            <a:graphicFrameLocks noGrp="1"/>
-          </p:cNvGraphicFramePr>
-          <p:nvPr>
-            <p:extLst>
-              <p:ext uri="{D42A27DB-BD31-4B8C-83A1-F6EECF244321}">
-                <p14:modId xmlns:p14="http://schemas.microsoft.com/office/powerpoint/2010/main" val="524030837"/>
-              </p:ext>
-            </p:extLst>
-          </p:nvPr>
-        </p:nvGraphicFramePr>
-        <p:xfrm>
-          <a:off x="4251129" y="8562340"/>
-          <a:ext cx="1526593" cy="1280160"/>
-        </p:xfrm>
-        <a:graphic>
-          <a:graphicData uri="http://schemas.openxmlformats.org/drawingml/2006/table">
-            <a:tbl>
-              <a:tblPr>
-                <a:tableStyleId>{5940675A-B579-460E-94D1-54222C63F5DA}</a:tableStyleId>
-              </a:tblPr>
-              <a:tblGrid>
-                <a:gridCol w="1526593">
-                  <a:extLst>
-                    <a:ext uri="{9D8B030D-6E8A-4147-A177-3AD203B41FA5}">
-                      <a16:colId xmlns:a16="http://schemas.microsoft.com/office/drawing/2014/main" val="29415333"/>
-                    </a:ext>
-                  </a:extLst>
-                </a:gridCol>
-              </a:tblGrid>
-              <a:tr h="191770">
-                <a:tc>
-                  <a:txBody>
-                    <a:bodyPr/>
-                    <a:lstStyle/>
-                    <a:p>
-                      <a:pPr marL="0" lvl="1" indent="0" algn="just" defTabSz="1425550" rtl="1" eaLnBrk="1" latinLnBrk="0" hangingPunct="1">
-                        <a:lnSpc>
-                          <a:spcPct val="100000"/>
-                        </a:lnSpc>
-                        <a:spcBef>
-                          <a:spcPts val="250"/>
-                        </a:spcBef>
-                        <a:buFont typeface="Arial" panose="020B0604020202020204" pitchFamily="34" charset="0"/>
-                        <a:buNone/>
-                      </a:pPr>
-                      <a:r>
-                        <a:rPr lang="ar-EG" sz="800" b="1" kern="1200" dirty="0">
-                          <a:solidFill>
-                            <a:srgbClr val="7030A0"/>
-                          </a:solidFill>
-                          <a:latin typeface="+mn-lt"/>
-                          <a:ea typeface="+mn-ea"/>
-                          <a:cs typeface="Almarai"/>
-                        </a:rPr>
-                        <a:t>النتيجة</a:t>
-                      </a:r>
-                    </a:p>
-                  </a:txBody>
-                  <a:tcPr anchor="ctr"/>
-                </a:tc>
-                <a:extLst>
-                  <a:ext uri="{0D108BD9-81ED-4DB2-BD59-A6C34878D82A}">
-                    <a16:rowId xmlns:a16="http://schemas.microsoft.com/office/drawing/2014/main" val="2301854067"/>
-                  </a:ext>
-                </a:extLst>
-              </a:tr>
-              <a:tr h="191770">
-                <a:tc>
-                  <a:txBody>
-                    <a:bodyPr/>
-                    <a:lstStyle/>
-                    <a:p>
-                      <a:pPr marL="0" lvl="1" indent="0" algn="just" defTabSz="1425550" rtl="1" eaLnBrk="1" latinLnBrk="0" hangingPunct="1">
-                        <a:lnSpc>
-                          <a:spcPct val="100000"/>
-                        </a:lnSpc>
-                        <a:spcBef>
-                          <a:spcPts val="250"/>
-                        </a:spcBef>
-                        <a:buFont typeface="Arial" panose="020B0604020202020204" pitchFamily="34" charset="0"/>
-                        <a:buNone/>
-                      </a:pPr>
-                      <a:r>
-                        <a:rPr lang="en-US" sz="800" b="1" kern="1200" dirty="0">
-                          <a:solidFill>
-                            <a:srgbClr val="7030A0"/>
-                          </a:solidFill>
-                          <a:latin typeface="+mn-lt"/>
-                          <a:ea typeface="+mn-ea"/>
-                          <a:cs typeface="Almarai"/>
-                        </a:rPr>
-                        <a:t>96 %</a:t>
-                      </a:r>
-                    </a:p>
-                  </a:txBody>
-                  <a:tcPr anchor="ctr"/>
-                </a:tc>
-                <a:extLst>
-                  <a:ext uri="{0D108BD9-81ED-4DB2-BD59-A6C34878D82A}">
-                    <a16:rowId xmlns:a16="http://schemas.microsoft.com/office/drawing/2014/main" val="261523431"/>
-                  </a:ext>
-                </a:extLst>
-              </a:tr>
-              <a:tr h="191770">
-                <a:tc>
-                  <a:txBody>
-                    <a:bodyPr/>
-                    <a:lstStyle/>
-                    <a:p>
-                      <a:pPr marL="0" lvl="1" indent="0" algn="just" defTabSz="1425550" rtl="1" eaLnBrk="1" latinLnBrk="0" hangingPunct="1">
-                        <a:lnSpc>
-                          <a:spcPct val="100000"/>
-                        </a:lnSpc>
-                        <a:spcBef>
-                          <a:spcPts val="250"/>
-                        </a:spcBef>
-                        <a:buFont typeface="Arial" panose="020B0604020202020204" pitchFamily="34" charset="0"/>
-                        <a:buNone/>
-                      </a:pPr>
-                      <a:r>
-                        <a:rPr lang="en-US" sz="800" b="1" kern="1200" dirty="0">
-                          <a:solidFill>
-                            <a:srgbClr val="7030A0"/>
-                          </a:solidFill>
-                          <a:latin typeface="+mn-lt"/>
-                          <a:ea typeface="+mn-ea"/>
-                          <a:cs typeface="Almarai"/>
-                        </a:rPr>
-                        <a:t>92 %</a:t>
-                      </a:r>
-                    </a:p>
-                  </a:txBody>
-                  <a:tcPr anchor="ctr"/>
-                </a:tc>
-                <a:extLst>
-                  <a:ext uri="{0D108BD9-81ED-4DB2-BD59-A6C34878D82A}">
-                    <a16:rowId xmlns:a16="http://schemas.microsoft.com/office/drawing/2014/main" val="3143217053"/>
-                  </a:ext>
-                </a:extLst>
-              </a:tr>
-              <a:tr h="191770">
-                <a:tc>
-                  <a:txBody>
-                    <a:bodyPr/>
-                    <a:lstStyle/>
-                    <a:p>
-                      <a:pPr marL="0" lvl="1" indent="0" algn="just" defTabSz="1425550" rtl="1" eaLnBrk="1" latinLnBrk="0" hangingPunct="1">
-                        <a:lnSpc>
-                          <a:spcPct val="100000"/>
-                        </a:lnSpc>
-                        <a:spcBef>
-                          <a:spcPts val="250"/>
-                        </a:spcBef>
-                        <a:buFont typeface="Arial" panose="020B0604020202020204" pitchFamily="34" charset="0"/>
-                        <a:buNone/>
-                      </a:pPr>
-                      <a:r>
-                        <a:rPr lang="ar-EG" sz="800" b="1" kern="1200" dirty="0">
-                          <a:solidFill>
-                            <a:srgbClr val="7030A0"/>
-                          </a:solidFill>
-                          <a:latin typeface="+mn-lt"/>
-                          <a:ea typeface="+mn-ea"/>
-                          <a:cs typeface="Almarai"/>
-                        </a:rPr>
-                        <a:t>&lt; 5 ثواني</a:t>
-                      </a:r>
-                    </a:p>
-                  </a:txBody>
-                  <a:tcPr anchor="ctr"/>
-                </a:tc>
-                <a:extLst>
-                  <a:ext uri="{0D108BD9-81ED-4DB2-BD59-A6C34878D82A}">
-                    <a16:rowId xmlns:a16="http://schemas.microsoft.com/office/drawing/2014/main" val="4005650836"/>
-                  </a:ext>
-                </a:extLst>
-              </a:tr>
-              <a:tr h="191770">
-                <a:tc>
-                  <a:txBody>
-                    <a:bodyPr/>
-                    <a:lstStyle/>
-                    <a:p>
-                      <a:pPr marL="0" lvl="1" indent="0" algn="just" defTabSz="1425550" rtl="1" eaLnBrk="1" latinLnBrk="0" hangingPunct="1">
-                        <a:lnSpc>
-                          <a:spcPct val="100000"/>
-                        </a:lnSpc>
-                        <a:spcBef>
-                          <a:spcPts val="250"/>
-                        </a:spcBef>
-                        <a:buFont typeface="Arial" panose="020B0604020202020204" pitchFamily="34" charset="0"/>
-                        <a:buNone/>
-                      </a:pPr>
-                      <a:r>
-                        <a:rPr lang="en-US" sz="800" b="1" kern="1200" dirty="0">
-                          <a:solidFill>
-                            <a:srgbClr val="7030A0"/>
-                          </a:solidFill>
-                          <a:latin typeface="+mn-lt"/>
-                          <a:ea typeface="+mn-ea"/>
-                          <a:cs typeface="Almarai"/>
-                        </a:rPr>
-                        <a:t>80 %</a:t>
-                      </a:r>
-                    </a:p>
-                  </a:txBody>
-                  <a:tcPr anchor="ctr"/>
-                </a:tc>
-                <a:extLst>
-                  <a:ext uri="{0D108BD9-81ED-4DB2-BD59-A6C34878D82A}">
-                    <a16:rowId xmlns:a16="http://schemas.microsoft.com/office/drawing/2014/main" val="1611496621"/>
-                  </a:ext>
-                </a:extLst>
-              </a:tr>
-              <a:tr h="191770">
-                <a:tc>
-                  <a:txBody>
-                    <a:bodyPr/>
-                    <a:lstStyle/>
-                    <a:p>
-                      <a:pPr marL="0" lvl="1" indent="0" algn="just" defTabSz="1425550" rtl="1" eaLnBrk="1" latinLnBrk="0" hangingPunct="1">
-                        <a:lnSpc>
-                          <a:spcPct val="100000"/>
-                        </a:lnSpc>
-                        <a:spcBef>
-                          <a:spcPts val="250"/>
-                        </a:spcBef>
-                        <a:buFont typeface="Arial" panose="020B0604020202020204" pitchFamily="34" charset="0"/>
-                        <a:buNone/>
-                      </a:pPr>
-                      <a:r>
-                        <a:rPr lang="en-US" sz="800" b="1" kern="1200" dirty="0">
-                          <a:solidFill>
-                            <a:srgbClr val="7030A0"/>
-                          </a:solidFill>
-                          <a:latin typeface="+mn-lt"/>
-                          <a:ea typeface="+mn-ea"/>
-                          <a:cs typeface="Almarai"/>
-                        </a:rPr>
-                        <a:t>4.2/5</a:t>
-                      </a:r>
-                    </a:p>
-                  </a:txBody>
-                  <a:tcPr anchor="ctr"/>
-                </a:tc>
-                <a:extLst>
-                  <a:ext uri="{0D108BD9-81ED-4DB2-BD59-A6C34878D82A}">
-                    <a16:rowId xmlns:a16="http://schemas.microsoft.com/office/drawing/2014/main" val="730646682"/>
-                  </a:ext>
-                </a:extLst>
-              </a:tr>
-            </a:tbl>
-          </a:graphicData>
-        </a:graphic>
-      </p:graphicFrame>
-      <p:pic>
-        <p:nvPicPr>
-          <p:cNvPr id="75" name="Picture Placeholder 74" descr="A screenshot of a computer&#10;&#10;AI-generated content may be incorrect.">
+          <p:cNvSpPr txBox="1"/>
+          <p:nvPr/>
+        </p:nvSpPr>
+        <p:spPr>
+          <a:xfrm>
+            <a:off x="5618480" y="8751701"/>
+            <a:ext cx="1534160" cy="1023357"/>
+          </a:xfrm>
+          <a:prstGeom prst="rect">
+            <a:avLst/>
+          </a:prstGeom>
+          <a:noFill/>
+        </p:spPr>
+        <p:txBody>
+          <a:bodyPr wrap="square" rtlCol="0">
+            <a:spAutoFit/>
+          </a:bodyPr>
+          <a:lstStyle/>
+          <a:p>
+            <a:pPr marL="171450" lvl="1" indent="-171450" algn="just" defTabSz="1425550" rtl="1">
+              <a:spcBef>
+                <a:spcPts val="250"/>
+              </a:spcBef>
+              <a:buFont typeface="Arial" panose="020B0604020202020204" pitchFamily="34" charset="0"/>
+              <a:buChar char="•"/>
+            </a:pPr>
+            <a:r>
+              <a:rPr lang="ar-EG" sz="800" b="1" dirty="0">
+                <a:solidFill>
+                  <a:srgbClr val="7030A0"/>
+                </a:solidFill>
+              </a:rPr>
+              <a:t>دقة تحليل </a:t>
+            </a:r>
+            <a:r>
+              <a:rPr lang="en-US" sz="800" b="1" dirty="0">
+                <a:solidFill>
+                  <a:srgbClr val="7030A0"/>
+                </a:solidFill>
+              </a:rPr>
+              <a:t>SQL (Parsing)</a:t>
+            </a:r>
+          </a:p>
+          <a:p>
+            <a:pPr marL="171450" lvl="1" indent="-171450" algn="just" defTabSz="1425550" rtl="1">
+              <a:spcBef>
+                <a:spcPts val="250"/>
+              </a:spcBef>
+              <a:buFont typeface="Arial" panose="020B0604020202020204" pitchFamily="34" charset="0"/>
+              <a:buChar char="•"/>
+            </a:pPr>
+            <a:r>
+              <a:rPr lang="ar-EG" sz="800" b="1" dirty="0">
+                <a:solidFill>
+                  <a:srgbClr val="7030A0"/>
+                </a:solidFill>
+              </a:rPr>
+              <a:t>دقة تحديد المجال</a:t>
+            </a:r>
+            <a:r>
+              <a:rPr lang="en-US" sz="800" b="1" dirty="0">
+                <a:solidFill>
+                  <a:srgbClr val="7030A0"/>
+                </a:solidFill>
+              </a:rPr>
+              <a:t>(Domain)</a:t>
+            </a:r>
+          </a:p>
+          <a:p>
+            <a:pPr marL="171450" lvl="1" indent="-171450" algn="just" defTabSz="1425550" rtl="1">
+              <a:spcBef>
+                <a:spcPts val="250"/>
+              </a:spcBef>
+              <a:buFont typeface="Arial" panose="020B0604020202020204" pitchFamily="34" charset="0"/>
+              <a:buChar char="•"/>
+            </a:pPr>
+            <a:r>
+              <a:rPr lang="ar-EG" sz="800" b="1" dirty="0">
+                <a:solidFill>
+                  <a:srgbClr val="7030A0"/>
+                </a:solidFill>
+              </a:rPr>
+              <a:t>زمن توليد المخطط (100 جدول)</a:t>
+            </a:r>
+          </a:p>
+          <a:p>
+            <a:pPr marL="171450" lvl="1" indent="-171450" algn="just" defTabSz="1425550" rtl="1">
+              <a:spcBef>
+                <a:spcPts val="250"/>
+              </a:spcBef>
+              <a:buFont typeface="Arial" panose="020B0604020202020204" pitchFamily="34" charset="0"/>
+              <a:buChar char="•"/>
+            </a:pPr>
+            <a:r>
+              <a:rPr lang="ar-EG" sz="800" b="1" dirty="0">
+                <a:solidFill>
+                  <a:srgbClr val="7030A0"/>
+                </a:solidFill>
+              </a:rPr>
+              <a:t>خفض الأخطاء</a:t>
+            </a:r>
+          </a:p>
+          <a:p>
+            <a:pPr marL="171450" lvl="1" indent="-171450" algn="just" defTabSz="1425550" rtl="1">
+              <a:spcBef>
+                <a:spcPts val="250"/>
+              </a:spcBef>
+              <a:buFont typeface="Arial" panose="020B0604020202020204" pitchFamily="34" charset="0"/>
+              <a:buChar char="•"/>
+            </a:pPr>
+            <a:r>
+              <a:rPr lang="ar-EG" sz="800" b="1" dirty="0">
+                <a:solidFill>
+                  <a:srgbClr val="7030A0"/>
+                </a:solidFill>
+              </a:rPr>
+              <a:t>رضا المستخدم (على مقياس ١–٥)</a:t>
+            </a:r>
+          </a:p>
+          <a:p>
+            <a:pPr marL="171450" lvl="1" indent="-171450" algn="just" defTabSz="1425550" rtl="1">
+              <a:spcBef>
+                <a:spcPts val="250"/>
+              </a:spcBef>
+              <a:buFont typeface="Arial" panose="020B0604020202020204" pitchFamily="34" charset="0"/>
+              <a:buChar char="•"/>
+            </a:pPr>
+            <a:endParaRPr lang="en-US" sz="800" b="1" dirty="0">
+              <a:solidFill>
+                <a:srgbClr val="7030A0"/>
+              </a:solidFill>
+            </a:endParaRPr>
+          </a:p>
+        </p:txBody>
+      </p:sp>
+      <p:cxnSp>
+        <p:nvCxnSpPr>
+          <p:cNvPr id="110" name="Straight Arrow Connector 109">
             <a:extLst>
               <a:ext uri="{FF2B5EF4-FFF2-40B4-BE49-F238E27FC236}">
-                <a16:creationId xmlns:a16="http://schemas.microsoft.com/office/drawing/2014/main" id="{8B04CA1E-668A-ACC2-F5E9-0656FBEB154F}"/>
+                <a16:creationId xmlns:a16="http://schemas.microsoft.com/office/drawing/2014/main" id="{CABFB2AD-AB01-1321-1084-D2F6492A6204}"/>
               </a:ext>
             </a:extLst>
           </p:cNvPr>
-          <p:cNvPicPr>
-            <a:picLocks noGrp="1" noChangeAspect="1"/>
-          </p:cNvPicPr>
-          <p:nvPr>
-            <p:ph type="pic" sz="quarter" idx="26"/>
-          </p:nvPr>
-        </p:nvPicPr>
-        <p:blipFill>
-          <a:blip r:embed="rId7" cstate="print">
+          <p:cNvCxnSpPr/>
+          <p:nvPr/>
+        </p:nvCxnSpPr>
+        <p:spPr>
+          <a:xfrm flipH="1">
+            <a:off x="5410343" y="8879840"/>
+            <a:ext cx="441960" cy="0"/>
+          </a:xfrm>
+          <a:prstGeom prst="straightConnector1">
+            <a:avLst/>
+          </a:prstGeom>
+          <a:ln>
+            <a:solidFill>
+              <a:srgbClr val="9900CC"/>
+            </a:solidFill>
+            <a:tailEnd type="triangle"/>
+          </a:ln>
+        </p:spPr>
+        <p:style>
+          <a:lnRef idx="1">
+            <a:schemeClr val="accent1"/>
+          </a:lnRef>
+          <a:fillRef idx="0">
+            <a:schemeClr val="accent1"/>
+          </a:fillRef>
+          <a:effectRef idx="0">
+            <a:schemeClr val="accent1"/>
+          </a:effectRef>
+          <a:fontRef idx="minor">
+            <a:schemeClr val="tx1"/>
+          </a:fontRef>
+        </p:style>
+      </p:cxnSp>
+      <p:cxnSp>
+        <p:nvCxnSpPr>
+          <p:cNvPr id="111" name="Straight Arrow Connector 110">
             <a:extLst>
-              <a:ext uri="{28A0092B-C50C-407E-A947-70E740481C1C}">
-                <a14:useLocalDpi xmlns:a14="http://schemas.microsoft.com/office/drawing/2010/main" val="0"/>
+              <a:ext uri="{FF2B5EF4-FFF2-40B4-BE49-F238E27FC236}">
+                <a16:creationId xmlns:a16="http://schemas.microsoft.com/office/drawing/2014/main" id="{B03302EB-6D14-9902-96E2-8D963A58E881}"/>
               </a:ext>
             </a:extLst>
-          </a:blip>
-          <a:srcRect l="10719" t="-15946" r="15426" b="-7757"/>
-          <a:stretch>
-            <a:fillRect/>
-          </a:stretch>
-        </p:blipFill>
+          </p:cNvPr>
+          <p:cNvCxnSpPr/>
+          <p:nvPr/>
+        </p:nvCxnSpPr>
+        <p:spPr>
+          <a:xfrm flipH="1">
+            <a:off x="5410343" y="9029700"/>
+            <a:ext cx="441960" cy="0"/>
+          </a:xfrm>
+          <a:prstGeom prst="straightConnector1">
+            <a:avLst/>
+          </a:prstGeom>
+          <a:ln>
+            <a:solidFill>
+              <a:srgbClr val="9900CC"/>
+            </a:solidFill>
+            <a:tailEnd type="triangle"/>
+          </a:ln>
+        </p:spPr>
+        <p:style>
+          <a:lnRef idx="1">
+            <a:schemeClr val="accent1"/>
+          </a:lnRef>
+          <a:fillRef idx="0">
+            <a:schemeClr val="accent1"/>
+          </a:fillRef>
+          <a:effectRef idx="0">
+            <a:schemeClr val="accent1"/>
+          </a:effectRef>
+          <a:fontRef idx="minor">
+            <a:schemeClr val="tx1"/>
+          </a:fontRef>
+        </p:style>
+      </p:cxnSp>
+      <p:cxnSp>
+        <p:nvCxnSpPr>
+          <p:cNvPr id="112" name="Straight Arrow Connector 111">
+            <a:extLst>
+              <a:ext uri="{FF2B5EF4-FFF2-40B4-BE49-F238E27FC236}">
+                <a16:creationId xmlns:a16="http://schemas.microsoft.com/office/drawing/2014/main" id="{CE68312C-96DC-6FC3-8B66-83FF2F598606}"/>
+              </a:ext>
+            </a:extLst>
+          </p:cNvPr>
+          <p:cNvCxnSpPr>
+            <a:cxnSpLocks/>
+          </p:cNvCxnSpPr>
+          <p:nvPr/>
+        </p:nvCxnSpPr>
+        <p:spPr>
+          <a:xfrm flipH="1">
+            <a:off x="5397500" y="9184640"/>
+            <a:ext cx="345440" cy="0"/>
+          </a:xfrm>
+          <a:prstGeom prst="straightConnector1">
+            <a:avLst/>
+          </a:prstGeom>
+          <a:ln>
+            <a:solidFill>
+              <a:srgbClr val="9900CC"/>
+            </a:solidFill>
+            <a:tailEnd type="triangle"/>
+          </a:ln>
+        </p:spPr>
+        <p:style>
+          <a:lnRef idx="1">
+            <a:schemeClr val="accent1"/>
+          </a:lnRef>
+          <a:fillRef idx="0">
+            <a:schemeClr val="accent1"/>
+          </a:fillRef>
+          <a:effectRef idx="0">
+            <a:schemeClr val="accent1"/>
+          </a:effectRef>
+          <a:fontRef idx="minor">
+            <a:schemeClr val="tx1"/>
+          </a:fontRef>
+        </p:style>
+      </p:cxnSp>
+      <p:cxnSp>
+        <p:nvCxnSpPr>
+          <p:cNvPr id="113" name="Straight Arrow Connector 112">
+            <a:extLst>
+              <a:ext uri="{FF2B5EF4-FFF2-40B4-BE49-F238E27FC236}">
+                <a16:creationId xmlns:a16="http://schemas.microsoft.com/office/drawing/2014/main" id="{A6762F2F-2615-FA84-E560-007C28ECE419}"/>
+              </a:ext>
+            </a:extLst>
+          </p:cNvPr>
+          <p:cNvCxnSpPr>
+            <a:cxnSpLocks/>
+          </p:cNvCxnSpPr>
+          <p:nvPr/>
+        </p:nvCxnSpPr>
+        <p:spPr>
+          <a:xfrm flipH="1">
+            <a:off x="5397500" y="9349740"/>
+            <a:ext cx="967740" cy="0"/>
+          </a:xfrm>
+          <a:prstGeom prst="straightConnector1">
+            <a:avLst/>
+          </a:prstGeom>
+          <a:ln>
+            <a:solidFill>
+              <a:srgbClr val="9900CC"/>
+            </a:solidFill>
+            <a:tailEnd type="triangle"/>
+          </a:ln>
+        </p:spPr>
+        <p:style>
+          <a:lnRef idx="1">
+            <a:schemeClr val="accent1"/>
+          </a:lnRef>
+          <a:fillRef idx="0">
+            <a:schemeClr val="accent1"/>
+          </a:fillRef>
+          <a:effectRef idx="0">
+            <a:schemeClr val="accent1"/>
+          </a:effectRef>
+          <a:fontRef idx="minor">
+            <a:schemeClr val="tx1"/>
+          </a:fontRef>
+        </p:style>
+      </p:cxnSp>
+      <p:cxnSp>
+        <p:nvCxnSpPr>
+          <p:cNvPr id="114" name="Straight Arrow Connector 113">
+            <a:extLst>
+              <a:ext uri="{FF2B5EF4-FFF2-40B4-BE49-F238E27FC236}">
+                <a16:creationId xmlns:a16="http://schemas.microsoft.com/office/drawing/2014/main" id="{C0F01DE3-ABDB-2632-BD48-B1959C7A4E3C}"/>
+              </a:ext>
+            </a:extLst>
+          </p:cNvPr>
+          <p:cNvCxnSpPr>
+            <a:cxnSpLocks/>
+          </p:cNvCxnSpPr>
+          <p:nvPr/>
+        </p:nvCxnSpPr>
+        <p:spPr>
+          <a:xfrm flipH="1">
+            <a:off x="5397500" y="9507220"/>
+            <a:ext cx="314182" cy="0"/>
+          </a:xfrm>
+          <a:prstGeom prst="straightConnector1">
+            <a:avLst/>
+          </a:prstGeom>
+          <a:ln>
+            <a:solidFill>
+              <a:srgbClr val="9900CC"/>
+            </a:solidFill>
+            <a:tailEnd type="triangle"/>
+          </a:ln>
+        </p:spPr>
+        <p:style>
+          <a:lnRef idx="1">
+            <a:schemeClr val="accent1"/>
+          </a:lnRef>
+          <a:fillRef idx="0">
+            <a:schemeClr val="accent1"/>
+          </a:fillRef>
+          <a:effectRef idx="0">
+            <a:schemeClr val="accent1"/>
+          </a:effectRef>
+          <a:fontRef idx="minor">
+            <a:schemeClr val="tx1"/>
+          </a:fontRef>
+        </p:style>
+      </p:cxnSp>
+      <p:sp>
+        <p:nvSpPr>
+          <p:cNvPr id="115" name="TextBox 114">
+            <a:extLst>
+              <a:ext uri="{FF2B5EF4-FFF2-40B4-BE49-F238E27FC236}">
+                <a16:creationId xmlns:a16="http://schemas.microsoft.com/office/drawing/2014/main" id="{CFBB9BC1-E24C-F0C1-AA2C-AFF0F3D96147}"/>
+              </a:ext>
+            </a:extLst>
+          </p:cNvPr>
+          <p:cNvSpPr txBox="1"/>
+          <p:nvPr/>
+        </p:nvSpPr>
         <p:spPr>
           <a:xfrm>
-            <a:off x="2099240" y="4724400"/>
-            <a:ext cx="1786960" cy="1536183"/>
-          </a:xfrm>
-        </p:spPr>
-      </p:pic>
+            <a:off x="4747373" y="8772021"/>
+            <a:ext cx="693942" cy="1023357"/>
+          </a:xfrm>
+          <a:prstGeom prst="rect">
+            <a:avLst/>
+          </a:prstGeom>
+          <a:noFill/>
+        </p:spPr>
+        <p:txBody>
+          <a:bodyPr wrap="square" rtlCol="0">
+            <a:spAutoFit/>
+          </a:bodyPr>
+          <a:lstStyle/>
+          <a:p>
+            <a:pPr marL="0" lvl="1" algn="just" defTabSz="1425550" rtl="1">
+              <a:spcBef>
+                <a:spcPts val="250"/>
+              </a:spcBef>
+            </a:pPr>
+            <a:r>
+              <a:rPr lang="ar-EG" sz="800" b="1" dirty="0">
+                <a:solidFill>
+                  <a:srgbClr val="7030A0"/>
+                </a:solidFill>
+              </a:rPr>
+              <a:t>96%</a:t>
+            </a:r>
+            <a:endParaRPr lang="en-US" sz="800" b="1" dirty="0">
+              <a:solidFill>
+                <a:srgbClr val="7030A0"/>
+              </a:solidFill>
+            </a:endParaRPr>
+          </a:p>
+          <a:p>
+            <a:pPr marL="0" lvl="1" algn="just" defTabSz="1425550" rtl="1">
+              <a:spcBef>
+                <a:spcPts val="250"/>
+              </a:spcBef>
+            </a:pPr>
+            <a:r>
+              <a:rPr lang="ar-EG" sz="800" b="1" dirty="0">
+                <a:solidFill>
+                  <a:srgbClr val="7030A0"/>
+                </a:solidFill>
+              </a:rPr>
+              <a:t>92%</a:t>
+            </a:r>
+            <a:endParaRPr lang="en-US" sz="800" b="1" dirty="0">
+              <a:solidFill>
+                <a:srgbClr val="7030A0"/>
+              </a:solidFill>
+            </a:endParaRPr>
+          </a:p>
+          <a:p>
+            <a:pPr marL="0" lvl="1" algn="just" defTabSz="1425550" rtl="1">
+              <a:spcBef>
+                <a:spcPts val="250"/>
+              </a:spcBef>
+            </a:pPr>
+            <a:r>
+              <a:rPr lang="en-US" sz="800" b="1" dirty="0">
+                <a:solidFill>
+                  <a:srgbClr val="7030A0"/>
+                </a:solidFill>
+              </a:rPr>
+              <a:t>Less than 5s</a:t>
+            </a:r>
+            <a:endParaRPr lang="ar-EG" sz="800" b="1" dirty="0">
+              <a:solidFill>
+                <a:srgbClr val="7030A0"/>
+              </a:solidFill>
+            </a:endParaRPr>
+          </a:p>
+          <a:p>
+            <a:pPr marL="0" lvl="1" algn="just" defTabSz="1425550" rtl="1">
+              <a:spcBef>
+                <a:spcPts val="250"/>
+              </a:spcBef>
+            </a:pPr>
+            <a:r>
+              <a:rPr lang="en-US" sz="800" b="1" dirty="0">
+                <a:solidFill>
+                  <a:srgbClr val="7030A0"/>
+                </a:solidFill>
+              </a:rPr>
+              <a:t>80%</a:t>
+            </a:r>
+            <a:endParaRPr lang="ar-EG" sz="800" b="1" dirty="0">
+              <a:solidFill>
+                <a:srgbClr val="7030A0"/>
+              </a:solidFill>
+            </a:endParaRPr>
+          </a:p>
+          <a:p>
+            <a:pPr marL="0" lvl="1" algn="just" defTabSz="1425550" rtl="1">
+              <a:spcBef>
+                <a:spcPts val="250"/>
+              </a:spcBef>
+            </a:pPr>
+            <a:r>
+              <a:rPr lang="en-US" sz="800" b="1" dirty="0">
+                <a:solidFill>
+                  <a:srgbClr val="7030A0"/>
+                </a:solidFill>
+              </a:rPr>
+              <a:t>4.2/5</a:t>
+            </a:r>
+            <a:endParaRPr lang="ar-EG" sz="800" b="1" dirty="0">
+              <a:solidFill>
+                <a:srgbClr val="7030A0"/>
+              </a:solidFill>
+            </a:endParaRPr>
+          </a:p>
+          <a:p>
+            <a:pPr marL="0" lvl="1" algn="just" defTabSz="1425550" rtl="1">
+              <a:spcBef>
+                <a:spcPts val="250"/>
+              </a:spcBef>
+            </a:pPr>
+            <a:endParaRPr lang="en-US" sz="800" b="1" dirty="0">
+              <a:solidFill>
+                <a:srgbClr val="7030A0"/>
+              </a:solidFill>
+            </a:endParaRPr>
+          </a:p>
+        </p:txBody>
+      </p:sp>
+      <p:cxnSp>
+        <p:nvCxnSpPr>
+          <p:cNvPr id="124" name="Straight Connector 123">
+            <a:extLst>
+              <a:ext uri="{FF2B5EF4-FFF2-40B4-BE49-F238E27FC236}">
+                <a16:creationId xmlns:a16="http://schemas.microsoft.com/office/drawing/2014/main" id="{A909F5E9-DEB4-657B-2E9A-2F6321610349}"/>
+              </a:ext>
+            </a:extLst>
+          </p:cNvPr>
+          <p:cNvCxnSpPr>
+            <a:cxnSpLocks/>
+          </p:cNvCxnSpPr>
+          <p:nvPr/>
+        </p:nvCxnSpPr>
+        <p:spPr>
+          <a:xfrm>
+            <a:off x="4221478" y="7538204"/>
+            <a:ext cx="3157654" cy="0"/>
+          </a:xfrm>
+          <a:prstGeom prst="line">
+            <a:avLst/>
+          </a:prstGeom>
+          <a:ln>
+            <a:solidFill>
+              <a:srgbClr val="9900CC"/>
+            </a:solidFill>
+          </a:ln>
+        </p:spPr>
+        <p:style>
+          <a:lnRef idx="1">
+            <a:schemeClr val="accent1"/>
+          </a:lnRef>
+          <a:fillRef idx="0">
+            <a:schemeClr val="accent1"/>
+          </a:fillRef>
+          <a:effectRef idx="0">
+            <a:schemeClr val="accent1"/>
+          </a:effectRef>
+          <a:fontRef idx="minor">
+            <a:schemeClr val="tx1"/>
+          </a:fontRef>
+        </p:style>
+      </p:cxnSp>
     </p:spTree>
     <p:extLst>
       <p:ext uri="{BB962C8B-B14F-4D97-AF65-F5344CB8AC3E}">
